--- a/Clases/Clase 10/clase 10.pptx
+++ b/Clases/Clase 10/clase 10.pptx
@@ -5,15 +5,15 @@
     <p:sldMasterId id="2147483648" r:id="rId1"/>
   </p:sldMasterIdLst>
   <p:sldIdLst>
-    <p:sldId id="256" r:id="rId2"/>
-    <p:sldId id="258" r:id="rId3"/>
-    <p:sldId id="264" r:id="rId4"/>
-    <p:sldId id="261" r:id="rId5"/>
-    <p:sldId id="263" r:id="rId6"/>
-    <p:sldId id="265" r:id="rId7"/>
-    <p:sldId id="262" r:id="rId8"/>
-    <p:sldId id="257" r:id="rId9"/>
-    <p:sldId id="259" r:id="rId10"/>
+    <p:sldId id="256" r:id="rId3"/>
+    <p:sldId id="258" r:id="rId4"/>
+    <p:sldId id="264" r:id="rId5"/>
+    <p:sldId id="261" r:id="rId6"/>
+    <p:sldId id="263" r:id="rId7"/>
+    <p:sldId id="265" r:id="rId8"/>
+    <p:sldId id="262" r:id="rId9"/>
+    <p:sldId id="257" r:id="rId10"/>
+    <p:sldId id="259" r:id="rId11"/>
   </p:sldIdLst>
   <p:sldSz cx="12192000" cy="6858000"/>
   <p:notesSz cx="6858000" cy="9144000"/>
@@ -112,11 +112,6 @@
       </a:defRPr>
     </a:lvl9pPr>
   </p:defaultTextStyle>
-  <p:extLst>
-    <p:ext uri="{EFAFB233-063F-42B5-8137-9DF3F51BA10A}">
-      <p15:sldGuideLst xmlns:p15="http://schemas.microsoft.com/office/powerpoint/2012/main"/>
-    </p:ext>
-  </p:extLst>
 </p:presentation>
 </file>
 
@@ -251,7 +246,6 @@
           <a:p>
             <a:fld id="{126F170E-E814-4B3B-A85B-D0CEE3E81FCB}" type="datetimeFigureOut">
               <a:rPr lang="es-MX" smtClean="0"/>
-              <a:t>24/01/2020</a:t>
             </a:fld>
             <a:endParaRPr lang="es-MX"/>
           </a:p>
@@ -293,7 +287,6 @@
           <a:p>
             <a:fld id="{7964CD6F-4211-4BE0-AF92-843C51BD8986}" type="slidenum">
               <a:rPr lang="es-MX" smtClean="0"/>
-              <a:t>‹Nº›</a:t>
             </a:fld>
             <a:endParaRPr lang="es-MX"/>
           </a:p>
@@ -367,6 +360,7 @@
               <a:rPr lang="es-ES" smtClean="0"/>
               <a:t>Haga clic para modificar el estilo de texto del patrón</a:t>
             </a:r>
+            <a:endParaRPr lang="es-ES" smtClean="0"/>
           </a:p>
           <a:p>
             <a:pPr lvl="1"/>
@@ -374,6 +368,7 @@
               <a:rPr lang="es-ES" smtClean="0"/>
               <a:t>Segundo nivel</a:t>
             </a:r>
+            <a:endParaRPr lang="es-ES" smtClean="0"/>
           </a:p>
           <a:p>
             <a:pPr lvl="2"/>
@@ -381,6 +376,7 @@
               <a:rPr lang="es-ES" smtClean="0"/>
               <a:t>Tercer nivel</a:t>
             </a:r>
+            <a:endParaRPr lang="es-ES" smtClean="0"/>
           </a:p>
           <a:p>
             <a:pPr lvl="3"/>
@@ -388,6 +384,7 @@
               <a:rPr lang="es-ES" smtClean="0"/>
               <a:t>Cuarto nivel</a:t>
             </a:r>
+            <a:endParaRPr lang="es-ES" smtClean="0"/>
           </a:p>
           <a:p>
             <a:pPr lvl="4"/>
@@ -416,7 +413,6 @@
           <a:p>
             <a:fld id="{126F170E-E814-4B3B-A85B-D0CEE3E81FCB}" type="datetimeFigureOut">
               <a:rPr lang="es-MX" smtClean="0"/>
-              <a:t>24/01/2020</a:t>
             </a:fld>
             <a:endParaRPr lang="es-MX"/>
           </a:p>
@@ -458,7 +454,6 @@
           <a:p>
             <a:fld id="{7964CD6F-4211-4BE0-AF92-843C51BD8986}" type="slidenum">
               <a:rPr lang="es-MX" smtClean="0"/>
-              <a:t>‹Nº›</a:t>
             </a:fld>
             <a:endParaRPr lang="es-MX"/>
           </a:p>
@@ -542,6 +537,7 @@
               <a:rPr lang="es-ES" smtClean="0"/>
               <a:t>Haga clic para modificar el estilo de texto del patrón</a:t>
             </a:r>
+            <a:endParaRPr lang="es-ES" smtClean="0"/>
           </a:p>
           <a:p>
             <a:pPr lvl="1"/>
@@ -549,6 +545,7 @@
               <a:rPr lang="es-ES" smtClean="0"/>
               <a:t>Segundo nivel</a:t>
             </a:r>
+            <a:endParaRPr lang="es-ES" smtClean="0"/>
           </a:p>
           <a:p>
             <a:pPr lvl="2"/>
@@ -556,6 +553,7 @@
               <a:rPr lang="es-ES" smtClean="0"/>
               <a:t>Tercer nivel</a:t>
             </a:r>
+            <a:endParaRPr lang="es-ES" smtClean="0"/>
           </a:p>
           <a:p>
             <a:pPr lvl="3"/>
@@ -563,6 +561,7 @@
               <a:rPr lang="es-ES" smtClean="0"/>
               <a:t>Cuarto nivel</a:t>
             </a:r>
+            <a:endParaRPr lang="es-ES" smtClean="0"/>
           </a:p>
           <a:p>
             <a:pPr lvl="4"/>
@@ -591,7 +590,6 @@
           <a:p>
             <a:fld id="{126F170E-E814-4B3B-A85B-D0CEE3E81FCB}" type="datetimeFigureOut">
               <a:rPr lang="es-MX" smtClean="0"/>
-              <a:t>24/01/2020</a:t>
             </a:fld>
             <a:endParaRPr lang="es-MX"/>
           </a:p>
@@ -633,7 +631,6 @@
           <a:p>
             <a:fld id="{7964CD6F-4211-4BE0-AF92-843C51BD8986}" type="slidenum">
               <a:rPr lang="es-MX" smtClean="0"/>
-              <a:t>‹Nº›</a:t>
             </a:fld>
             <a:endParaRPr lang="es-MX"/>
           </a:p>
@@ -707,6 +704,7 @@
               <a:rPr lang="es-ES" smtClean="0"/>
               <a:t>Haga clic para modificar el estilo de texto del patrón</a:t>
             </a:r>
+            <a:endParaRPr lang="es-ES" smtClean="0"/>
           </a:p>
           <a:p>
             <a:pPr lvl="1"/>
@@ -714,6 +712,7 @@
               <a:rPr lang="es-ES" smtClean="0"/>
               <a:t>Segundo nivel</a:t>
             </a:r>
+            <a:endParaRPr lang="es-ES" smtClean="0"/>
           </a:p>
           <a:p>
             <a:pPr lvl="2"/>
@@ -721,6 +720,7 @@
               <a:rPr lang="es-ES" smtClean="0"/>
               <a:t>Tercer nivel</a:t>
             </a:r>
+            <a:endParaRPr lang="es-ES" smtClean="0"/>
           </a:p>
           <a:p>
             <a:pPr lvl="3"/>
@@ -728,6 +728,7 @@
               <a:rPr lang="es-ES" smtClean="0"/>
               <a:t>Cuarto nivel</a:t>
             </a:r>
+            <a:endParaRPr lang="es-ES" smtClean="0"/>
           </a:p>
           <a:p>
             <a:pPr lvl="4"/>
@@ -756,7 +757,6 @@
           <a:p>
             <a:fld id="{126F170E-E814-4B3B-A85B-D0CEE3E81FCB}" type="datetimeFigureOut">
               <a:rPr lang="es-MX" smtClean="0"/>
-              <a:t>24/01/2020</a:t>
             </a:fld>
             <a:endParaRPr lang="es-MX"/>
           </a:p>
@@ -798,7 +798,6 @@
           <a:p>
             <a:fld id="{7964CD6F-4211-4BE0-AF92-843C51BD8986}" type="slidenum">
               <a:rPr lang="es-MX" smtClean="0"/>
-              <a:t>‹Nº›</a:t>
             </a:fld>
             <a:endParaRPr lang="es-MX"/>
           </a:p>
@@ -977,6 +976,7 @@
               <a:rPr lang="es-ES" smtClean="0"/>
               <a:t>Haga clic para modificar el estilo de texto del patrón</a:t>
             </a:r>
+            <a:endParaRPr lang="es-ES" smtClean="0"/>
           </a:p>
         </p:txBody>
       </p:sp>
@@ -997,7 +997,6 @@
           <a:p>
             <a:fld id="{126F170E-E814-4B3B-A85B-D0CEE3E81FCB}" type="datetimeFigureOut">
               <a:rPr lang="es-MX" smtClean="0"/>
-              <a:t>24/01/2020</a:t>
             </a:fld>
             <a:endParaRPr lang="es-MX"/>
           </a:p>
@@ -1039,7 +1038,6 @@
           <a:p>
             <a:fld id="{7964CD6F-4211-4BE0-AF92-843C51BD8986}" type="slidenum">
               <a:rPr lang="es-MX" smtClean="0"/>
-              <a:t>‹Nº›</a:t>
             </a:fld>
             <a:endParaRPr lang="es-MX"/>
           </a:p>
@@ -1118,6 +1116,7 @@
               <a:rPr lang="es-ES" smtClean="0"/>
               <a:t>Haga clic para modificar el estilo de texto del patrón</a:t>
             </a:r>
+            <a:endParaRPr lang="es-ES" smtClean="0"/>
           </a:p>
           <a:p>
             <a:pPr lvl="1"/>
@@ -1125,6 +1124,7 @@
               <a:rPr lang="es-ES" smtClean="0"/>
               <a:t>Segundo nivel</a:t>
             </a:r>
+            <a:endParaRPr lang="es-ES" smtClean="0"/>
           </a:p>
           <a:p>
             <a:pPr lvl="2"/>
@@ -1132,6 +1132,7 @@
               <a:rPr lang="es-ES" smtClean="0"/>
               <a:t>Tercer nivel</a:t>
             </a:r>
+            <a:endParaRPr lang="es-ES" smtClean="0"/>
           </a:p>
           <a:p>
             <a:pPr lvl="3"/>
@@ -1139,6 +1140,7 @@
               <a:rPr lang="es-ES" smtClean="0"/>
               <a:t>Cuarto nivel</a:t>
             </a:r>
+            <a:endParaRPr lang="es-ES" smtClean="0"/>
           </a:p>
           <a:p>
             <a:pPr lvl="4"/>
@@ -1175,6 +1177,7 @@
               <a:rPr lang="es-ES" smtClean="0"/>
               <a:t>Haga clic para modificar el estilo de texto del patrón</a:t>
             </a:r>
+            <a:endParaRPr lang="es-ES" smtClean="0"/>
           </a:p>
           <a:p>
             <a:pPr lvl="1"/>
@@ -1182,6 +1185,7 @@
               <a:rPr lang="es-ES" smtClean="0"/>
               <a:t>Segundo nivel</a:t>
             </a:r>
+            <a:endParaRPr lang="es-ES" smtClean="0"/>
           </a:p>
           <a:p>
             <a:pPr lvl="2"/>
@@ -1189,6 +1193,7 @@
               <a:rPr lang="es-ES" smtClean="0"/>
               <a:t>Tercer nivel</a:t>
             </a:r>
+            <a:endParaRPr lang="es-ES" smtClean="0"/>
           </a:p>
           <a:p>
             <a:pPr lvl="3"/>
@@ -1196,6 +1201,7 @@
               <a:rPr lang="es-ES" smtClean="0"/>
               <a:t>Cuarto nivel</a:t>
             </a:r>
+            <a:endParaRPr lang="es-ES" smtClean="0"/>
           </a:p>
           <a:p>
             <a:pPr lvl="4"/>
@@ -1224,7 +1230,6 @@
           <a:p>
             <a:fld id="{126F170E-E814-4B3B-A85B-D0CEE3E81FCB}" type="datetimeFigureOut">
               <a:rPr lang="es-MX" smtClean="0"/>
-              <a:t>24/01/2020</a:t>
             </a:fld>
             <a:endParaRPr lang="es-MX"/>
           </a:p>
@@ -1266,7 +1271,6 @@
           <a:p>
             <a:fld id="{7964CD6F-4211-4BE0-AF92-843C51BD8986}" type="slidenum">
               <a:rPr lang="es-MX" smtClean="0"/>
-              <a:t>‹Nº›</a:t>
             </a:fld>
             <a:endParaRPr lang="es-MX"/>
           </a:p>
@@ -1387,6 +1391,7 @@
               <a:rPr lang="es-ES" smtClean="0"/>
               <a:t>Haga clic para modificar el estilo de texto del patrón</a:t>
             </a:r>
+            <a:endParaRPr lang="es-ES" smtClean="0"/>
           </a:p>
         </p:txBody>
       </p:sp>
@@ -1415,6 +1420,7 @@
               <a:rPr lang="es-ES" smtClean="0"/>
               <a:t>Haga clic para modificar el estilo de texto del patrón</a:t>
             </a:r>
+            <a:endParaRPr lang="es-ES" smtClean="0"/>
           </a:p>
           <a:p>
             <a:pPr lvl="1"/>
@@ -1422,6 +1428,7 @@
               <a:rPr lang="es-ES" smtClean="0"/>
               <a:t>Segundo nivel</a:t>
             </a:r>
+            <a:endParaRPr lang="es-ES" smtClean="0"/>
           </a:p>
           <a:p>
             <a:pPr lvl="2"/>
@@ -1429,6 +1436,7 @@
               <a:rPr lang="es-ES" smtClean="0"/>
               <a:t>Tercer nivel</a:t>
             </a:r>
+            <a:endParaRPr lang="es-ES" smtClean="0"/>
           </a:p>
           <a:p>
             <a:pPr lvl="3"/>
@@ -1436,6 +1444,7 @@
               <a:rPr lang="es-ES" smtClean="0"/>
               <a:t>Cuarto nivel</a:t>
             </a:r>
+            <a:endParaRPr lang="es-ES" smtClean="0"/>
           </a:p>
           <a:p>
             <a:pPr lvl="4"/>
@@ -1509,6 +1518,7 @@
               <a:rPr lang="es-ES" smtClean="0"/>
               <a:t>Haga clic para modificar el estilo de texto del patrón</a:t>
             </a:r>
+            <a:endParaRPr lang="es-ES" smtClean="0"/>
           </a:p>
         </p:txBody>
       </p:sp>
@@ -1537,6 +1547,7 @@
               <a:rPr lang="es-ES" smtClean="0"/>
               <a:t>Haga clic para modificar el estilo de texto del patrón</a:t>
             </a:r>
+            <a:endParaRPr lang="es-ES" smtClean="0"/>
           </a:p>
           <a:p>
             <a:pPr lvl="1"/>
@@ -1544,6 +1555,7 @@
               <a:rPr lang="es-ES" smtClean="0"/>
               <a:t>Segundo nivel</a:t>
             </a:r>
+            <a:endParaRPr lang="es-ES" smtClean="0"/>
           </a:p>
           <a:p>
             <a:pPr lvl="2"/>
@@ -1551,6 +1563,7 @@
               <a:rPr lang="es-ES" smtClean="0"/>
               <a:t>Tercer nivel</a:t>
             </a:r>
+            <a:endParaRPr lang="es-ES" smtClean="0"/>
           </a:p>
           <a:p>
             <a:pPr lvl="3"/>
@@ -1558,6 +1571,7 @@
               <a:rPr lang="es-ES" smtClean="0"/>
               <a:t>Cuarto nivel</a:t>
             </a:r>
+            <a:endParaRPr lang="es-ES" smtClean="0"/>
           </a:p>
           <a:p>
             <a:pPr lvl="4"/>
@@ -1586,7 +1600,6 @@
           <a:p>
             <a:fld id="{126F170E-E814-4B3B-A85B-D0CEE3E81FCB}" type="datetimeFigureOut">
               <a:rPr lang="es-MX" smtClean="0"/>
-              <a:t>24/01/2020</a:t>
             </a:fld>
             <a:endParaRPr lang="es-MX"/>
           </a:p>
@@ -1628,7 +1641,6 @@
           <a:p>
             <a:fld id="{7964CD6F-4211-4BE0-AF92-843C51BD8986}" type="slidenum">
               <a:rPr lang="es-MX" smtClean="0"/>
-              <a:t>‹Nº›</a:t>
             </a:fld>
             <a:endParaRPr lang="es-MX"/>
           </a:p>
@@ -1699,7 +1711,6 @@
           <a:p>
             <a:fld id="{126F170E-E814-4B3B-A85B-D0CEE3E81FCB}" type="datetimeFigureOut">
               <a:rPr lang="es-MX" smtClean="0"/>
-              <a:t>24/01/2020</a:t>
             </a:fld>
             <a:endParaRPr lang="es-MX"/>
           </a:p>
@@ -1741,7 +1752,6 @@
           <a:p>
             <a:fld id="{7964CD6F-4211-4BE0-AF92-843C51BD8986}" type="slidenum">
               <a:rPr lang="es-MX" smtClean="0"/>
-              <a:t>‹Nº›</a:t>
             </a:fld>
             <a:endParaRPr lang="es-MX"/>
           </a:p>
@@ -1789,7 +1799,6 @@
           <a:p>
             <a:fld id="{126F170E-E814-4B3B-A85B-D0CEE3E81FCB}" type="datetimeFigureOut">
               <a:rPr lang="es-MX" smtClean="0"/>
-              <a:t>24/01/2020</a:t>
             </a:fld>
             <a:endParaRPr lang="es-MX"/>
           </a:p>
@@ -1831,7 +1840,6 @@
           <a:p>
             <a:fld id="{7964CD6F-4211-4BE0-AF92-843C51BD8986}" type="slidenum">
               <a:rPr lang="es-MX" smtClean="0"/>
-              <a:t>‹Nº›</a:t>
             </a:fld>
             <a:endParaRPr lang="es-MX"/>
           </a:p>
@@ -1947,6 +1955,7 @@
               <a:rPr lang="es-ES" smtClean="0"/>
               <a:t>Haga clic para modificar el estilo de texto del patrón</a:t>
             </a:r>
+            <a:endParaRPr lang="es-ES" smtClean="0"/>
           </a:p>
           <a:p>
             <a:pPr lvl="1"/>
@@ -1954,6 +1963,7 @@
               <a:rPr lang="es-ES" smtClean="0"/>
               <a:t>Segundo nivel</a:t>
             </a:r>
+            <a:endParaRPr lang="es-ES" smtClean="0"/>
           </a:p>
           <a:p>
             <a:pPr lvl="2"/>
@@ -1961,6 +1971,7 @@
               <a:rPr lang="es-ES" smtClean="0"/>
               <a:t>Tercer nivel</a:t>
             </a:r>
+            <a:endParaRPr lang="es-ES" smtClean="0"/>
           </a:p>
           <a:p>
             <a:pPr lvl="3"/>
@@ -1968,6 +1979,7 @@
               <a:rPr lang="es-ES" smtClean="0"/>
               <a:t>Cuarto nivel</a:t>
             </a:r>
+            <a:endParaRPr lang="es-ES" smtClean="0"/>
           </a:p>
           <a:p>
             <a:pPr lvl="4"/>
@@ -2041,6 +2053,7 @@
               <a:rPr lang="es-ES" smtClean="0"/>
               <a:t>Haga clic para modificar el estilo de texto del patrón</a:t>
             </a:r>
+            <a:endParaRPr lang="es-ES" smtClean="0"/>
           </a:p>
         </p:txBody>
       </p:sp>
@@ -2061,7 +2074,6 @@
           <a:p>
             <a:fld id="{126F170E-E814-4B3B-A85B-D0CEE3E81FCB}" type="datetimeFigureOut">
               <a:rPr lang="es-MX" smtClean="0"/>
-              <a:t>24/01/2020</a:t>
             </a:fld>
             <a:endParaRPr lang="es-MX"/>
           </a:p>
@@ -2103,7 +2115,6 @@
           <a:p>
             <a:fld id="{7964CD6F-4211-4BE0-AF92-843C51BD8986}" type="slidenum">
               <a:rPr lang="es-MX" smtClean="0"/>
-              <a:t>‹Nº›</a:t>
             </a:fld>
             <a:endParaRPr lang="es-MX"/>
           </a:p>
@@ -2289,6 +2300,7 @@
               <a:rPr lang="es-ES" smtClean="0"/>
               <a:t>Haga clic para modificar el estilo de texto del patrón</a:t>
             </a:r>
+            <a:endParaRPr lang="es-ES" smtClean="0"/>
           </a:p>
         </p:txBody>
       </p:sp>
@@ -2309,7 +2321,6 @@
           <a:p>
             <a:fld id="{126F170E-E814-4B3B-A85B-D0CEE3E81FCB}" type="datetimeFigureOut">
               <a:rPr lang="es-MX" smtClean="0"/>
-              <a:t>24/01/2020</a:t>
             </a:fld>
             <a:endParaRPr lang="es-MX"/>
           </a:p>
@@ -2351,7 +2362,6 @@
           <a:p>
             <a:fld id="{7964CD6F-4211-4BE0-AF92-843C51BD8986}" type="slidenum">
               <a:rPr lang="es-MX" smtClean="0"/>
-              <a:t>‹Nº›</a:t>
             </a:fld>
             <a:endParaRPr lang="es-MX"/>
           </a:p>
@@ -2450,6 +2460,7 @@
               <a:rPr lang="es-ES" smtClean="0"/>
               <a:t>Haga clic para modificar el estilo de texto del patrón</a:t>
             </a:r>
+            <a:endParaRPr lang="es-ES" smtClean="0"/>
           </a:p>
           <a:p>
             <a:pPr lvl="1"/>
@@ -2457,6 +2468,7 @@
               <a:rPr lang="es-ES" smtClean="0"/>
               <a:t>Segundo nivel</a:t>
             </a:r>
+            <a:endParaRPr lang="es-ES" smtClean="0"/>
           </a:p>
           <a:p>
             <a:pPr lvl="2"/>
@@ -2464,6 +2476,7 @@
               <a:rPr lang="es-ES" smtClean="0"/>
               <a:t>Tercer nivel</a:t>
             </a:r>
+            <a:endParaRPr lang="es-ES" smtClean="0"/>
           </a:p>
           <a:p>
             <a:pPr lvl="3"/>
@@ -2471,6 +2484,7 @@
               <a:rPr lang="es-ES" smtClean="0"/>
               <a:t>Cuarto nivel</a:t>
             </a:r>
+            <a:endParaRPr lang="es-ES" smtClean="0"/>
           </a:p>
           <a:p>
             <a:pPr lvl="4"/>
@@ -2517,7 +2531,6 @@
           <a:p>
             <a:fld id="{126F170E-E814-4B3B-A85B-D0CEE3E81FCB}" type="datetimeFigureOut">
               <a:rPr lang="es-MX" smtClean="0"/>
-              <a:t>24/01/2020</a:t>
             </a:fld>
             <a:endParaRPr lang="es-MX"/>
           </a:p>
@@ -2595,7 +2608,6 @@
           <a:p>
             <a:fld id="{7964CD6F-4211-4BE0-AF92-843C51BD8986}" type="slidenum">
               <a:rPr lang="es-MX" smtClean="0"/>
-              <a:t>‹Nº›</a:t>
             </a:fld>
             <a:endParaRPr lang="es-MX"/>
           </a:p>
@@ -2964,7 +2976,7 @@
           <p:nvPr/>
         </p:nvPicPr>
         <p:blipFill>
-          <a:blip r:embed="rId2">
+          <a:blip r:embed="rId1">
             <a:extLst>
               <a:ext uri="{28A0092B-C50C-407E-A947-70E740481C1C}">
                 <a14:useLocalDpi xmlns:a14="http://schemas.microsoft.com/office/drawing/2010/main" val="0"/>
@@ -2988,6 +3000,47 @@
       <p:pic>
         <p:nvPicPr>
           <p:cNvPr id="1026" name="Picture 2" descr="Resultado de imagen para linux full hd logo&quot;"/>
+          <p:cNvPicPr>
+            <a:picLocks noChangeAspect="1" noChangeArrowheads="1"/>
+          </p:cNvPicPr>
+          <p:nvPr/>
+        </p:nvPicPr>
+        <p:blipFill>
+          <a:blip r:embed="rId2" cstate="print">
+            <a:extLst>
+              <a:ext uri="{28A0092B-C50C-407E-A947-70E740481C1C}">
+                <a14:useLocalDpi xmlns:a14="http://schemas.microsoft.com/office/drawing/2010/main" val="0"/>
+              </a:ext>
+            </a:extLst>
+          </a:blip>
+          <a:srcRect/>
+          <a:stretch>
+            <a:fillRect/>
+          </a:stretch>
+        </p:blipFill>
+        <p:spPr bwMode="auto">
+          <a:xfrm>
+            <a:off x="5778372" y="695173"/>
+            <a:ext cx="622042" cy="746450"/>
+          </a:xfrm>
+          <a:prstGeom prst="rect">
+            <a:avLst/>
+          </a:prstGeom>
+          <a:noFill/>
+          <a:extLst>
+            <a:ext uri="{909E8E84-426E-40DD-AFC4-6F175D3DCCD1}">
+              <a14:hiddenFill xmlns:a14="http://schemas.microsoft.com/office/drawing/2010/main">
+                <a:solidFill>
+                  <a:srgbClr val="FFFFFF"/>
+                </a:solidFill>
+              </a14:hiddenFill>
+            </a:ext>
+          </a:extLst>
+        </p:spPr>
+      </p:pic>
+      <p:pic>
+        <p:nvPicPr>
+          <p:cNvPr id="1030" name="Picture 6" descr="Resultado de imagen para windows logo hd&quot;"/>
           <p:cNvPicPr>
             <a:picLocks noChangeAspect="1" noChangeArrowheads="1"/>
           </p:cNvPicPr>
@@ -3008,47 +3061,6 @@
         </p:blipFill>
         <p:spPr bwMode="auto">
           <a:xfrm>
-            <a:off x="5778372" y="695173"/>
-            <a:ext cx="622042" cy="746450"/>
-          </a:xfrm>
-          <a:prstGeom prst="rect">
-            <a:avLst/>
-          </a:prstGeom>
-          <a:noFill/>
-          <a:extLst>
-            <a:ext uri="{909E8E84-426E-40DD-AFC4-6F175D3DCCD1}">
-              <a14:hiddenFill xmlns:a14="http://schemas.microsoft.com/office/drawing/2010/main">
-                <a:solidFill>
-                  <a:srgbClr val="FFFFFF"/>
-                </a:solidFill>
-              </a14:hiddenFill>
-            </a:ext>
-          </a:extLst>
-        </p:spPr>
-      </p:pic>
-      <p:pic>
-        <p:nvPicPr>
-          <p:cNvPr id="1030" name="Picture 6" descr="Resultado de imagen para windows logo hd&quot;"/>
-          <p:cNvPicPr>
-            <a:picLocks noChangeAspect="1" noChangeArrowheads="1"/>
-          </p:cNvPicPr>
-          <p:nvPr/>
-        </p:nvPicPr>
-        <p:blipFill>
-          <a:blip r:embed="rId4" cstate="print">
-            <a:extLst>
-              <a:ext uri="{28A0092B-C50C-407E-A947-70E740481C1C}">
-                <a14:useLocalDpi xmlns:a14="http://schemas.microsoft.com/office/drawing/2010/main" val="0"/>
-              </a:ext>
-            </a:extLst>
-          </a:blip>
-          <a:srcRect/>
-          <a:stretch>
-            <a:fillRect/>
-          </a:stretch>
-        </p:blipFill>
-        <p:spPr bwMode="auto">
-          <a:xfrm>
             <a:off x="4080047" y="271753"/>
             <a:ext cx="1609146" cy="1609146"/>
           </a:xfrm>
@@ -3076,7 +3088,7 @@
           <p:nvPr/>
         </p:nvPicPr>
         <p:blipFill>
-          <a:blip r:embed="rId5" cstate="print">
+          <a:blip r:embed="rId4" cstate="print">
             <a:extLst>
               <a:ext uri="{28A0092B-C50C-407E-A947-70E740481C1C}">
                 <a14:useLocalDpi xmlns:a14="http://schemas.microsoft.com/office/drawing/2010/main" val="0"/>
@@ -3294,7 +3306,7 @@
           <p:nvPr/>
         </p:nvPicPr>
         <p:blipFill>
-          <a:blip r:embed="rId2">
+          <a:blip r:embed="rId1">
             <a:extLst>
               <a:ext uri="{28A0092B-C50C-407E-A947-70E740481C1C}">
                 <a14:useLocalDpi xmlns:a14="http://schemas.microsoft.com/office/drawing/2010/main" val="0"/>
@@ -3318,6 +3330,47 @@
       <p:pic>
         <p:nvPicPr>
           <p:cNvPr id="1026" name="Picture 2" descr="Resultado de imagen para linux full hd logo&quot;"/>
+          <p:cNvPicPr>
+            <a:picLocks noChangeAspect="1" noChangeArrowheads="1"/>
+          </p:cNvPicPr>
+          <p:nvPr/>
+        </p:nvPicPr>
+        <p:blipFill>
+          <a:blip r:embed="rId2" cstate="print">
+            <a:extLst>
+              <a:ext uri="{28A0092B-C50C-407E-A947-70E740481C1C}">
+                <a14:useLocalDpi xmlns:a14="http://schemas.microsoft.com/office/drawing/2010/main" val="0"/>
+              </a:ext>
+            </a:extLst>
+          </a:blip>
+          <a:srcRect/>
+          <a:stretch>
+            <a:fillRect/>
+          </a:stretch>
+        </p:blipFill>
+        <p:spPr bwMode="auto">
+          <a:xfrm>
+            <a:off x="5778372" y="695173"/>
+            <a:ext cx="622042" cy="746450"/>
+          </a:xfrm>
+          <a:prstGeom prst="rect">
+            <a:avLst/>
+          </a:prstGeom>
+          <a:noFill/>
+          <a:extLst>
+            <a:ext uri="{909E8E84-426E-40DD-AFC4-6F175D3DCCD1}">
+              <a14:hiddenFill xmlns:a14="http://schemas.microsoft.com/office/drawing/2010/main">
+                <a:solidFill>
+                  <a:srgbClr val="FFFFFF"/>
+                </a:solidFill>
+              </a14:hiddenFill>
+            </a:ext>
+          </a:extLst>
+        </p:spPr>
+      </p:pic>
+      <p:pic>
+        <p:nvPicPr>
+          <p:cNvPr id="1030" name="Picture 6" descr="Resultado de imagen para windows logo hd&quot;"/>
           <p:cNvPicPr>
             <a:picLocks noChangeAspect="1" noChangeArrowheads="1"/>
           </p:cNvPicPr>
@@ -3338,47 +3391,6 @@
         </p:blipFill>
         <p:spPr bwMode="auto">
           <a:xfrm>
-            <a:off x="5778372" y="695173"/>
-            <a:ext cx="622042" cy="746450"/>
-          </a:xfrm>
-          <a:prstGeom prst="rect">
-            <a:avLst/>
-          </a:prstGeom>
-          <a:noFill/>
-          <a:extLst>
-            <a:ext uri="{909E8E84-426E-40DD-AFC4-6F175D3DCCD1}">
-              <a14:hiddenFill xmlns:a14="http://schemas.microsoft.com/office/drawing/2010/main">
-                <a:solidFill>
-                  <a:srgbClr val="FFFFFF"/>
-                </a:solidFill>
-              </a14:hiddenFill>
-            </a:ext>
-          </a:extLst>
-        </p:spPr>
-      </p:pic>
-      <p:pic>
-        <p:nvPicPr>
-          <p:cNvPr id="1030" name="Picture 6" descr="Resultado de imagen para windows logo hd&quot;"/>
-          <p:cNvPicPr>
-            <a:picLocks noChangeAspect="1" noChangeArrowheads="1"/>
-          </p:cNvPicPr>
-          <p:nvPr/>
-        </p:nvPicPr>
-        <p:blipFill>
-          <a:blip r:embed="rId4" cstate="print">
-            <a:extLst>
-              <a:ext uri="{28A0092B-C50C-407E-A947-70E740481C1C}">
-                <a14:useLocalDpi xmlns:a14="http://schemas.microsoft.com/office/drawing/2010/main" val="0"/>
-              </a:ext>
-            </a:extLst>
-          </a:blip>
-          <a:srcRect/>
-          <a:stretch>
-            <a:fillRect/>
-          </a:stretch>
-        </p:blipFill>
-        <p:spPr bwMode="auto">
-          <a:xfrm>
             <a:off x="4080047" y="271753"/>
             <a:ext cx="1609146" cy="1609146"/>
           </a:xfrm>
@@ -3406,7 +3418,7 @@
           <p:nvPr/>
         </p:nvPicPr>
         <p:blipFill>
-          <a:blip r:embed="rId5" cstate="print">
+          <a:blip r:embed="rId4" cstate="print">
             <a:extLst>
               <a:ext uri="{28A0092B-C50C-407E-A947-70E740481C1C}">
                 <a14:useLocalDpi xmlns:a14="http://schemas.microsoft.com/office/drawing/2010/main" val="0"/>
@@ -3624,7 +3636,7 @@
           <p:nvPr/>
         </p:nvPicPr>
         <p:blipFill>
-          <a:blip r:embed="rId2">
+          <a:blip r:embed="rId1">
             <a:extLst>
               <a:ext uri="{28A0092B-C50C-407E-A947-70E740481C1C}">
                 <a14:useLocalDpi xmlns:a14="http://schemas.microsoft.com/office/drawing/2010/main" val="0"/>
@@ -3648,6 +3660,47 @@
       <p:pic>
         <p:nvPicPr>
           <p:cNvPr id="1026" name="Picture 2" descr="Resultado de imagen para linux full hd logo&quot;"/>
+          <p:cNvPicPr>
+            <a:picLocks noChangeAspect="1" noChangeArrowheads="1"/>
+          </p:cNvPicPr>
+          <p:nvPr/>
+        </p:nvPicPr>
+        <p:blipFill>
+          <a:blip r:embed="rId2" cstate="print">
+            <a:extLst>
+              <a:ext uri="{28A0092B-C50C-407E-A947-70E740481C1C}">
+                <a14:useLocalDpi xmlns:a14="http://schemas.microsoft.com/office/drawing/2010/main" val="0"/>
+              </a:ext>
+            </a:extLst>
+          </a:blip>
+          <a:srcRect/>
+          <a:stretch>
+            <a:fillRect/>
+          </a:stretch>
+        </p:blipFill>
+        <p:spPr bwMode="auto">
+          <a:xfrm>
+            <a:off x="5778372" y="695173"/>
+            <a:ext cx="622042" cy="746450"/>
+          </a:xfrm>
+          <a:prstGeom prst="rect">
+            <a:avLst/>
+          </a:prstGeom>
+          <a:noFill/>
+          <a:extLst>
+            <a:ext uri="{909E8E84-426E-40DD-AFC4-6F175D3DCCD1}">
+              <a14:hiddenFill xmlns:a14="http://schemas.microsoft.com/office/drawing/2010/main">
+                <a:solidFill>
+                  <a:srgbClr val="FFFFFF"/>
+                </a:solidFill>
+              </a14:hiddenFill>
+            </a:ext>
+          </a:extLst>
+        </p:spPr>
+      </p:pic>
+      <p:pic>
+        <p:nvPicPr>
+          <p:cNvPr id="1030" name="Picture 6" descr="Resultado de imagen para windows logo hd&quot;"/>
           <p:cNvPicPr>
             <a:picLocks noChangeAspect="1" noChangeArrowheads="1"/>
           </p:cNvPicPr>
@@ -3668,8 +3721,8 @@
         </p:blipFill>
         <p:spPr bwMode="auto">
           <a:xfrm>
-            <a:off x="5778372" y="695173"/>
-            <a:ext cx="622042" cy="746450"/>
+            <a:off x="4080047" y="271753"/>
+            <a:ext cx="1609146" cy="1609146"/>
           </a:xfrm>
           <a:prstGeom prst="rect">
             <a:avLst/>
@@ -3688,7 +3741,7 @@
       </p:pic>
       <p:pic>
         <p:nvPicPr>
-          <p:cNvPr id="1030" name="Picture 6" descr="Resultado de imagen para windows logo hd&quot;"/>
+          <p:cNvPr id="1032" name="Picture 8" descr="Resultado de imagen para mac os catalina logo&quot;"/>
           <p:cNvPicPr>
             <a:picLocks noChangeAspect="1" noChangeArrowheads="1"/>
           </p:cNvPicPr>
@@ -3709,47 +3762,6 @@
         </p:blipFill>
         <p:spPr bwMode="auto">
           <a:xfrm>
-            <a:off x="4080047" y="271753"/>
-            <a:ext cx="1609146" cy="1609146"/>
-          </a:xfrm>
-          <a:prstGeom prst="rect">
-            <a:avLst/>
-          </a:prstGeom>
-          <a:noFill/>
-          <a:extLst>
-            <a:ext uri="{909E8E84-426E-40DD-AFC4-6F175D3DCCD1}">
-              <a14:hiddenFill xmlns:a14="http://schemas.microsoft.com/office/drawing/2010/main">
-                <a:solidFill>
-                  <a:srgbClr val="FFFFFF"/>
-                </a:solidFill>
-              </a14:hiddenFill>
-            </a:ext>
-          </a:extLst>
-        </p:spPr>
-      </p:pic>
-      <p:pic>
-        <p:nvPicPr>
-          <p:cNvPr id="1032" name="Picture 8" descr="Resultado de imagen para mac os catalina logo&quot;"/>
-          <p:cNvPicPr>
-            <a:picLocks noChangeAspect="1" noChangeArrowheads="1"/>
-          </p:cNvPicPr>
-          <p:nvPr/>
-        </p:nvPicPr>
-        <p:blipFill>
-          <a:blip r:embed="rId5" cstate="print">
-            <a:extLst>
-              <a:ext uri="{28A0092B-C50C-407E-A947-70E740481C1C}">
-                <a14:useLocalDpi xmlns:a14="http://schemas.microsoft.com/office/drawing/2010/main" val="0"/>
-              </a:ext>
-            </a:extLst>
-          </a:blip>
-          <a:srcRect/>
-          <a:stretch>
-            <a:fillRect/>
-          </a:stretch>
-        </p:blipFill>
-        <p:spPr bwMode="auto">
-          <a:xfrm>
             <a:off x="6817873" y="695173"/>
             <a:ext cx="803853" cy="803853"/>
           </a:xfrm>
@@ -3915,11 +3927,6 @@
         </p:txBody>
       </p:sp>
     </p:spTree>
-    <p:extLst>
-      <p:ext uri="{BB962C8B-B14F-4D97-AF65-F5344CB8AC3E}">
-        <p14:creationId xmlns:p14="http://schemas.microsoft.com/office/powerpoint/2010/main" val="3787723546"/>
-      </p:ext>
-    </p:extLst>
   </p:cSld>
   <p:clrMapOvr>
     <a:masterClrMapping/>
@@ -3991,7 +3998,7 @@
           <p:nvPr/>
         </p:nvPicPr>
         <p:blipFill>
-          <a:blip r:embed="rId2">
+          <a:blip r:embed="rId1">
             <a:extLst>
               <a:ext uri="{28A0092B-C50C-407E-A947-70E740481C1C}">
                 <a14:useLocalDpi xmlns:a14="http://schemas.microsoft.com/office/drawing/2010/main" val="0"/>
@@ -4015,6 +4022,47 @@
       <p:pic>
         <p:nvPicPr>
           <p:cNvPr id="1026" name="Picture 2" descr="Resultado de imagen para linux full hd logo&quot;"/>
+          <p:cNvPicPr>
+            <a:picLocks noChangeAspect="1" noChangeArrowheads="1"/>
+          </p:cNvPicPr>
+          <p:nvPr/>
+        </p:nvPicPr>
+        <p:blipFill>
+          <a:blip r:embed="rId2" cstate="print">
+            <a:extLst>
+              <a:ext uri="{28A0092B-C50C-407E-A947-70E740481C1C}">
+                <a14:useLocalDpi xmlns:a14="http://schemas.microsoft.com/office/drawing/2010/main" val="0"/>
+              </a:ext>
+            </a:extLst>
+          </a:blip>
+          <a:srcRect/>
+          <a:stretch>
+            <a:fillRect/>
+          </a:stretch>
+        </p:blipFill>
+        <p:spPr bwMode="auto">
+          <a:xfrm>
+            <a:off x="5778372" y="695173"/>
+            <a:ext cx="622042" cy="746450"/>
+          </a:xfrm>
+          <a:prstGeom prst="rect">
+            <a:avLst/>
+          </a:prstGeom>
+          <a:noFill/>
+          <a:extLst>
+            <a:ext uri="{909E8E84-426E-40DD-AFC4-6F175D3DCCD1}">
+              <a14:hiddenFill xmlns:a14="http://schemas.microsoft.com/office/drawing/2010/main">
+                <a:solidFill>
+                  <a:srgbClr val="FFFFFF"/>
+                </a:solidFill>
+              </a14:hiddenFill>
+            </a:ext>
+          </a:extLst>
+        </p:spPr>
+      </p:pic>
+      <p:pic>
+        <p:nvPicPr>
+          <p:cNvPr id="1030" name="Picture 6" descr="Resultado de imagen para windows logo hd&quot;"/>
           <p:cNvPicPr>
             <a:picLocks noChangeAspect="1" noChangeArrowheads="1"/>
           </p:cNvPicPr>
@@ -4035,8 +4083,8 @@
         </p:blipFill>
         <p:spPr bwMode="auto">
           <a:xfrm>
-            <a:off x="5778372" y="695173"/>
-            <a:ext cx="622042" cy="746450"/>
+            <a:off x="4080047" y="271753"/>
+            <a:ext cx="1609146" cy="1609146"/>
           </a:xfrm>
           <a:prstGeom prst="rect">
             <a:avLst/>
@@ -4055,7 +4103,7 @@
       </p:pic>
       <p:pic>
         <p:nvPicPr>
-          <p:cNvPr id="1030" name="Picture 6" descr="Resultado de imagen para windows logo hd&quot;"/>
+          <p:cNvPr id="1032" name="Picture 8" descr="Resultado de imagen para mac os catalina logo&quot;"/>
           <p:cNvPicPr>
             <a:picLocks noChangeAspect="1" noChangeArrowheads="1"/>
           </p:cNvPicPr>
@@ -4076,47 +4124,6 @@
         </p:blipFill>
         <p:spPr bwMode="auto">
           <a:xfrm>
-            <a:off x="4080047" y="271753"/>
-            <a:ext cx="1609146" cy="1609146"/>
-          </a:xfrm>
-          <a:prstGeom prst="rect">
-            <a:avLst/>
-          </a:prstGeom>
-          <a:noFill/>
-          <a:extLst>
-            <a:ext uri="{909E8E84-426E-40DD-AFC4-6F175D3DCCD1}">
-              <a14:hiddenFill xmlns:a14="http://schemas.microsoft.com/office/drawing/2010/main">
-                <a:solidFill>
-                  <a:srgbClr val="FFFFFF"/>
-                </a:solidFill>
-              </a14:hiddenFill>
-            </a:ext>
-          </a:extLst>
-        </p:spPr>
-      </p:pic>
-      <p:pic>
-        <p:nvPicPr>
-          <p:cNvPr id="1032" name="Picture 8" descr="Resultado de imagen para mac os catalina logo&quot;"/>
-          <p:cNvPicPr>
-            <a:picLocks noChangeAspect="1" noChangeArrowheads="1"/>
-          </p:cNvPicPr>
-          <p:nvPr/>
-        </p:nvPicPr>
-        <p:blipFill>
-          <a:blip r:embed="rId5" cstate="print">
-            <a:extLst>
-              <a:ext uri="{28A0092B-C50C-407E-A947-70E740481C1C}">
-                <a14:useLocalDpi xmlns:a14="http://schemas.microsoft.com/office/drawing/2010/main" val="0"/>
-              </a:ext>
-            </a:extLst>
-          </a:blip>
-          <a:srcRect/>
-          <a:stretch>
-            <a:fillRect/>
-          </a:stretch>
-        </p:blipFill>
-        <p:spPr bwMode="auto">
-          <a:xfrm>
             <a:off x="6817873" y="695173"/>
             <a:ext cx="803853" cy="803853"/>
           </a:xfrm>
@@ -4241,6 +4248,11 @@
               </a:rPr>
               <a:t>Diferencias entre un lenguaje de programación compilado y uno de scripting</a:t>
             </a:r>
+            <a:endParaRPr lang="es-ES" sz="3000" dirty="0" smtClean="0">
+              <a:solidFill>
+                <a:srgbClr val="E0DDD6"/>
+              </a:solidFill>
+            </a:endParaRPr>
           </a:p>
           <a:p>
             <a:endParaRPr lang="es-ES" sz="3000" dirty="0">
@@ -4258,6 +4270,11 @@
               </a:rPr>
               <a:t>Uno es interpretado 		otro es traducido</a:t>
             </a:r>
+            <a:endParaRPr lang="es-ES" sz="3000" dirty="0" smtClean="0">
+              <a:solidFill>
+                <a:srgbClr val="E0DDD6"/>
+              </a:solidFill>
+            </a:endParaRPr>
           </a:p>
           <a:p>
             <a:r>
@@ -4267,50 +4284,6 @@
                 </a:solidFill>
               </a:rPr>
               <a:t>La primera ejecución es mas rápida		Después de la primera ejecución es mas rápida</a:t>
-            </a:r>
-          </a:p>
-          <a:p>
-            <a:r>
-              <a:rPr lang="es-ES" sz="2000" dirty="0" smtClean="0">
-                <a:solidFill>
-                  <a:srgbClr val="E0DDD6"/>
-                </a:solidFill>
-              </a:rPr>
-              <a:t>No carga librerías				Carga librerías</a:t>
-            </a:r>
-          </a:p>
-          <a:p>
-            <a:r>
-              <a:rPr lang="es-ES" sz="2000" dirty="0" smtClean="0">
-                <a:solidFill>
-                  <a:srgbClr val="E0DDD6"/>
-                </a:solidFill>
-              </a:rPr>
-              <a:t>Bajo </a:t>
-            </a:r>
-            <a:r>
-              <a:rPr lang="es-ES" sz="2000" dirty="0" err="1" smtClean="0">
-                <a:solidFill>
-                  <a:srgbClr val="E0DDD6"/>
-                </a:solidFill>
-              </a:rPr>
-              <a:t>tipado</a:t>
-            </a:r>
-            <a:r>
-              <a:rPr lang="es-ES" sz="2000" dirty="0" smtClean="0">
-                <a:solidFill>
-                  <a:srgbClr val="E0DDD6"/>
-                </a:solidFill>
-              </a:rPr>
-              <a:t>				Alto </a:t>
-            </a:r>
-            <a:r>
-              <a:rPr lang="es-ES" sz="2000" dirty="0" err="1" smtClean="0">
-                <a:solidFill>
-                  <a:srgbClr val="E0DDD6"/>
-                </a:solidFill>
-              </a:rPr>
-              <a:t>tipado</a:t>
             </a:r>
             <a:endParaRPr lang="es-ES" sz="2000" dirty="0" smtClean="0">
               <a:solidFill>
@@ -4325,8 +4298,67 @@
                   <a:srgbClr val="E0DDD6"/>
                 </a:solidFill>
               </a:rPr>
+              <a:t>No carga librerías				Carga librerías</a:t>
+            </a:r>
+            <a:endParaRPr lang="es-ES" sz="2000" dirty="0" smtClean="0">
+              <a:solidFill>
+                <a:srgbClr val="E0DDD6"/>
+              </a:solidFill>
+            </a:endParaRPr>
+          </a:p>
+          <a:p>
+            <a:r>
+              <a:rPr lang="es-ES" sz="2000" dirty="0" smtClean="0">
+                <a:solidFill>
+                  <a:srgbClr val="E0DDD6"/>
+                </a:solidFill>
+              </a:rPr>
+              <a:t>Bajo </a:t>
+            </a:r>
+            <a:r>
+              <a:rPr lang="es-ES" sz="2000" dirty="0" err="1" smtClean="0">
+                <a:solidFill>
+                  <a:srgbClr val="E0DDD6"/>
+                </a:solidFill>
+              </a:rPr>
+              <a:t>tipado</a:t>
+            </a:r>
+            <a:r>
+              <a:rPr lang="es-ES" sz="2000" dirty="0" smtClean="0">
+                <a:solidFill>
+                  <a:srgbClr val="E0DDD6"/>
+                </a:solidFill>
+              </a:rPr>
+              <a:t>				Alto </a:t>
+            </a:r>
+            <a:r>
+              <a:rPr lang="es-ES" sz="2000" dirty="0" err="1" smtClean="0">
+                <a:solidFill>
+                  <a:srgbClr val="E0DDD6"/>
+                </a:solidFill>
+              </a:rPr>
+              <a:t>tipado</a:t>
+            </a:r>
+            <a:endParaRPr lang="es-ES" sz="2000" dirty="0" smtClean="0">
+              <a:solidFill>
+                <a:srgbClr val="E0DDD6"/>
+              </a:solidFill>
+            </a:endParaRPr>
+          </a:p>
+          <a:p>
+            <a:r>
+              <a:rPr lang="es-ES" sz="2000" dirty="0" smtClean="0">
+                <a:solidFill>
+                  <a:srgbClr val="E0DDD6"/>
+                </a:solidFill>
+              </a:rPr>
               <a:t>Programas cortos, mas modular		Programas largos </a:t>
             </a:r>
+            <a:endParaRPr lang="es-ES" sz="2000" dirty="0" smtClean="0">
+              <a:solidFill>
+                <a:srgbClr val="E0DDD6"/>
+              </a:solidFill>
+            </a:endParaRPr>
           </a:p>
           <a:p>
             <a:endParaRPr lang="es-ES" sz="2000" dirty="0">
@@ -4338,7 +4370,7 @@
           <a:p>
             <a:r>
               <a:rPr lang="es-MX" sz="2000" dirty="0">
-                <a:hlinkClick r:id="rId6"/>
+                <a:hlinkClick r:id="rId5"/>
               </a:rPr>
               <a:t>https://www.youtube.com/watch?v=Og847HVwRSI</a:t>
             </a:r>
@@ -4429,7 +4461,7 @@
           <p:nvPr/>
         </p:nvPicPr>
         <p:blipFill>
-          <a:blip r:embed="rId2">
+          <a:blip r:embed="rId1">
             <a:extLst>
               <a:ext uri="{28A0092B-C50C-407E-A947-70E740481C1C}">
                 <a14:useLocalDpi xmlns:a14="http://schemas.microsoft.com/office/drawing/2010/main" val="0"/>
@@ -4453,6 +4485,47 @@
       <p:pic>
         <p:nvPicPr>
           <p:cNvPr id="1026" name="Picture 2" descr="Resultado de imagen para linux full hd logo&quot;"/>
+          <p:cNvPicPr>
+            <a:picLocks noChangeAspect="1" noChangeArrowheads="1"/>
+          </p:cNvPicPr>
+          <p:nvPr/>
+        </p:nvPicPr>
+        <p:blipFill>
+          <a:blip r:embed="rId2" cstate="print">
+            <a:extLst>
+              <a:ext uri="{28A0092B-C50C-407E-A947-70E740481C1C}">
+                <a14:useLocalDpi xmlns:a14="http://schemas.microsoft.com/office/drawing/2010/main" val="0"/>
+              </a:ext>
+            </a:extLst>
+          </a:blip>
+          <a:srcRect/>
+          <a:stretch>
+            <a:fillRect/>
+          </a:stretch>
+        </p:blipFill>
+        <p:spPr bwMode="auto">
+          <a:xfrm>
+            <a:off x="5778372" y="695173"/>
+            <a:ext cx="622042" cy="746450"/>
+          </a:xfrm>
+          <a:prstGeom prst="rect">
+            <a:avLst/>
+          </a:prstGeom>
+          <a:noFill/>
+          <a:extLst>
+            <a:ext uri="{909E8E84-426E-40DD-AFC4-6F175D3DCCD1}">
+              <a14:hiddenFill xmlns:a14="http://schemas.microsoft.com/office/drawing/2010/main">
+                <a:solidFill>
+                  <a:srgbClr val="FFFFFF"/>
+                </a:solidFill>
+              </a14:hiddenFill>
+            </a:ext>
+          </a:extLst>
+        </p:spPr>
+      </p:pic>
+      <p:pic>
+        <p:nvPicPr>
+          <p:cNvPr id="1030" name="Picture 6" descr="Resultado de imagen para windows logo hd&quot;"/>
           <p:cNvPicPr>
             <a:picLocks noChangeAspect="1" noChangeArrowheads="1"/>
           </p:cNvPicPr>
@@ -4473,8 +4546,8 @@
         </p:blipFill>
         <p:spPr bwMode="auto">
           <a:xfrm>
-            <a:off x="5778372" y="695173"/>
-            <a:ext cx="622042" cy="746450"/>
+            <a:off x="4080047" y="271753"/>
+            <a:ext cx="1609146" cy="1609146"/>
           </a:xfrm>
           <a:prstGeom prst="rect">
             <a:avLst/>
@@ -4493,7 +4566,7 @@
       </p:pic>
       <p:pic>
         <p:nvPicPr>
-          <p:cNvPr id="1030" name="Picture 6" descr="Resultado de imagen para windows logo hd&quot;"/>
+          <p:cNvPr id="1032" name="Picture 8" descr="Resultado de imagen para mac os catalina logo&quot;"/>
           <p:cNvPicPr>
             <a:picLocks noChangeAspect="1" noChangeArrowheads="1"/>
           </p:cNvPicPr>
@@ -4514,47 +4587,6 @@
         </p:blipFill>
         <p:spPr bwMode="auto">
           <a:xfrm>
-            <a:off x="4080047" y="271753"/>
-            <a:ext cx="1609146" cy="1609146"/>
-          </a:xfrm>
-          <a:prstGeom prst="rect">
-            <a:avLst/>
-          </a:prstGeom>
-          <a:noFill/>
-          <a:extLst>
-            <a:ext uri="{909E8E84-426E-40DD-AFC4-6F175D3DCCD1}">
-              <a14:hiddenFill xmlns:a14="http://schemas.microsoft.com/office/drawing/2010/main">
-                <a:solidFill>
-                  <a:srgbClr val="FFFFFF"/>
-                </a:solidFill>
-              </a14:hiddenFill>
-            </a:ext>
-          </a:extLst>
-        </p:spPr>
-      </p:pic>
-      <p:pic>
-        <p:nvPicPr>
-          <p:cNvPr id="1032" name="Picture 8" descr="Resultado de imagen para mac os catalina logo&quot;"/>
-          <p:cNvPicPr>
-            <a:picLocks noChangeAspect="1" noChangeArrowheads="1"/>
-          </p:cNvPicPr>
-          <p:nvPr/>
-        </p:nvPicPr>
-        <p:blipFill>
-          <a:blip r:embed="rId5" cstate="print">
-            <a:extLst>
-              <a:ext uri="{28A0092B-C50C-407E-A947-70E740481C1C}">
-                <a14:useLocalDpi xmlns:a14="http://schemas.microsoft.com/office/drawing/2010/main" val="0"/>
-              </a:ext>
-            </a:extLst>
-          </a:blip>
-          <a:srcRect/>
-          <a:stretch>
-            <a:fillRect/>
-          </a:stretch>
-        </p:blipFill>
-        <p:spPr bwMode="auto">
-          <a:xfrm>
             <a:off x="6817873" y="695173"/>
             <a:ext cx="803853" cy="803853"/>
           </a:xfrm>
@@ -4742,11 +4774,6 @@
         </p:txBody>
       </p:sp>
     </p:spTree>
-    <p:extLst>
-      <p:ext uri="{BB962C8B-B14F-4D97-AF65-F5344CB8AC3E}">
-        <p14:creationId xmlns:p14="http://schemas.microsoft.com/office/powerpoint/2010/main" val="365671537"/>
-      </p:ext>
-    </p:extLst>
   </p:cSld>
   <p:clrMapOvr>
     <a:masterClrMapping/>
@@ -4818,7 +4845,7 @@
           <p:nvPr/>
         </p:nvPicPr>
         <p:blipFill>
-          <a:blip r:embed="rId2">
+          <a:blip r:embed="rId1">
             <a:extLst>
               <a:ext uri="{28A0092B-C50C-407E-A947-70E740481C1C}">
                 <a14:useLocalDpi xmlns:a14="http://schemas.microsoft.com/office/drawing/2010/main" val="0"/>
@@ -4842,6 +4869,47 @@
       <p:pic>
         <p:nvPicPr>
           <p:cNvPr id="1026" name="Picture 2" descr="Resultado de imagen para linux full hd logo&quot;"/>
+          <p:cNvPicPr>
+            <a:picLocks noChangeAspect="1" noChangeArrowheads="1"/>
+          </p:cNvPicPr>
+          <p:nvPr/>
+        </p:nvPicPr>
+        <p:blipFill>
+          <a:blip r:embed="rId2" cstate="print">
+            <a:extLst>
+              <a:ext uri="{28A0092B-C50C-407E-A947-70E740481C1C}">
+                <a14:useLocalDpi xmlns:a14="http://schemas.microsoft.com/office/drawing/2010/main" val="0"/>
+              </a:ext>
+            </a:extLst>
+          </a:blip>
+          <a:srcRect/>
+          <a:stretch>
+            <a:fillRect/>
+          </a:stretch>
+        </p:blipFill>
+        <p:spPr bwMode="auto">
+          <a:xfrm>
+            <a:off x="5778372" y="695173"/>
+            <a:ext cx="622042" cy="746450"/>
+          </a:xfrm>
+          <a:prstGeom prst="rect">
+            <a:avLst/>
+          </a:prstGeom>
+          <a:noFill/>
+          <a:extLst>
+            <a:ext uri="{909E8E84-426E-40DD-AFC4-6F175D3DCCD1}">
+              <a14:hiddenFill xmlns:a14="http://schemas.microsoft.com/office/drawing/2010/main">
+                <a:solidFill>
+                  <a:srgbClr val="FFFFFF"/>
+                </a:solidFill>
+              </a14:hiddenFill>
+            </a:ext>
+          </a:extLst>
+        </p:spPr>
+      </p:pic>
+      <p:pic>
+        <p:nvPicPr>
+          <p:cNvPr id="1030" name="Picture 6" descr="Resultado de imagen para windows logo hd&quot;"/>
           <p:cNvPicPr>
             <a:picLocks noChangeAspect="1" noChangeArrowheads="1"/>
           </p:cNvPicPr>
@@ -4862,8 +4930,8 @@
         </p:blipFill>
         <p:spPr bwMode="auto">
           <a:xfrm>
-            <a:off x="5778372" y="695173"/>
-            <a:ext cx="622042" cy="746450"/>
+            <a:off x="4080047" y="271753"/>
+            <a:ext cx="1609146" cy="1609146"/>
           </a:xfrm>
           <a:prstGeom prst="rect">
             <a:avLst/>
@@ -4882,7 +4950,7 @@
       </p:pic>
       <p:pic>
         <p:nvPicPr>
-          <p:cNvPr id="1030" name="Picture 6" descr="Resultado de imagen para windows logo hd&quot;"/>
+          <p:cNvPr id="1032" name="Picture 8" descr="Resultado de imagen para mac os catalina logo&quot;"/>
           <p:cNvPicPr>
             <a:picLocks noChangeAspect="1" noChangeArrowheads="1"/>
           </p:cNvPicPr>
@@ -4903,47 +4971,6 @@
         </p:blipFill>
         <p:spPr bwMode="auto">
           <a:xfrm>
-            <a:off x="4080047" y="271753"/>
-            <a:ext cx="1609146" cy="1609146"/>
-          </a:xfrm>
-          <a:prstGeom prst="rect">
-            <a:avLst/>
-          </a:prstGeom>
-          <a:noFill/>
-          <a:extLst>
-            <a:ext uri="{909E8E84-426E-40DD-AFC4-6F175D3DCCD1}">
-              <a14:hiddenFill xmlns:a14="http://schemas.microsoft.com/office/drawing/2010/main">
-                <a:solidFill>
-                  <a:srgbClr val="FFFFFF"/>
-                </a:solidFill>
-              </a14:hiddenFill>
-            </a:ext>
-          </a:extLst>
-        </p:spPr>
-      </p:pic>
-      <p:pic>
-        <p:nvPicPr>
-          <p:cNvPr id="1032" name="Picture 8" descr="Resultado de imagen para mac os catalina logo&quot;"/>
-          <p:cNvPicPr>
-            <a:picLocks noChangeAspect="1" noChangeArrowheads="1"/>
-          </p:cNvPicPr>
-          <p:nvPr/>
-        </p:nvPicPr>
-        <p:blipFill>
-          <a:blip r:embed="rId5" cstate="print">
-            <a:extLst>
-              <a:ext uri="{28A0092B-C50C-407E-A947-70E740481C1C}">
-                <a14:useLocalDpi xmlns:a14="http://schemas.microsoft.com/office/drawing/2010/main" val="0"/>
-              </a:ext>
-            </a:extLst>
-          </a:blip>
-          <a:srcRect/>
-          <a:stretch>
-            <a:fillRect/>
-          </a:stretch>
-        </p:blipFill>
-        <p:spPr bwMode="auto">
-          <a:xfrm>
             <a:off x="6817873" y="695173"/>
             <a:ext cx="803853" cy="803853"/>
           </a:xfrm>
@@ -5092,6 +5119,11 @@
               </a:rPr>
               <a:t>, comenzamos con algo básico</a:t>
             </a:r>
+            <a:endParaRPr lang="es-ES" sz="3000" dirty="0" smtClean="0">
+              <a:solidFill>
+                <a:srgbClr val="E0DDD6"/>
+              </a:solidFill>
+            </a:endParaRPr>
           </a:p>
           <a:p>
             <a:endParaRPr lang="es-ES" sz="3000" dirty="0">
@@ -5157,11 +5189,6 @@
         </p:txBody>
       </p:sp>
     </p:spTree>
-    <p:extLst>
-      <p:ext uri="{BB962C8B-B14F-4D97-AF65-F5344CB8AC3E}">
-        <p14:creationId xmlns:p14="http://schemas.microsoft.com/office/powerpoint/2010/main" val="429159371"/>
-      </p:ext>
-    </p:extLst>
   </p:cSld>
   <p:clrMapOvr>
     <a:masterClrMapping/>
@@ -5233,7 +5260,7 @@
           <p:nvPr/>
         </p:nvPicPr>
         <p:blipFill>
-          <a:blip r:embed="rId2">
+          <a:blip r:embed="rId1">
             <a:extLst>
               <a:ext uri="{28A0092B-C50C-407E-A947-70E740481C1C}">
                 <a14:useLocalDpi xmlns:a14="http://schemas.microsoft.com/office/drawing/2010/main" val="0"/>
@@ -5257,6 +5284,47 @@
       <p:pic>
         <p:nvPicPr>
           <p:cNvPr id="1026" name="Picture 2" descr="Resultado de imagen para linux full hd logo&quot;"/>
+          <p:cNvPicPr>
+            <a:picLocks noChangeAspect="1" noChangeArrowheads="1"/>
+          </p:cNvPicPr>
+          <p:nvPr/>
+        </p:nvPicPr>
+        <p:blipFill>
+          <a:blip r:embed="rId2" cstate="print">
+            <a:extLst>
+              <a:ext uri="{28A0092B-C50C-407E-A947-70E740481C1C}">
+                <a14:useLocalDpi xmlns:a14="http://schemas.microsoft.com/office/drawing/2010/main" val="0"/>
+              </a:ext>
+            </a:extLst>
+          </a:blip>
+          <a:srcRect/>
+          <a:stretch>
+            <a:fillRect/>
+          </a:stretch>
+        </p:blipFill>
+        <p:spPr bwMode="auto">
+          <a:xfrm>
+            <a:off x="5778372" y="695173"/>
+            <a:ext cx="622042" cy="746450"/>
+          </a:xfrm>
+          <a:prstGeom prst="rect">
+            <a:avLst/>
+          </a:prstGeom>
+          <a:noFill/>
+          <a:extLst>
+            <a:ext uri="{909E8E84-426E-40DD-AFC4-6F175D3DCCD1}">
+              <a14:hiddenFill xmlns:a14="http://schemas.microsoft.com/office/drawing/2010/main">
+                <a:solidFill>
+                  <a:srgbClr val="FFFFFF"/>
+                </a:solidFill>
+              </a14:hiddenFill>
+            </a:ext>
+          </a:extLst>
+        </p:spPr>
+      </p:pic>
+      <p:pic>
+        <p:nvPicPr>
+          <p:cNvPr id="1030" name="Picture 6" descr="Resultado de imagen para windows logo hd&quot;"/>
           <p:cNvPicPr>
             <a:picLocks noChangeAspect="1" noChangeArrowheads="1"/>
           </p:cNvPicPr>
@@ -5277,47 +5345,6 @@
         </p:blipFill>
         <p:spPr bwMode="auto">
           <a:xfrm>
-            <a:off x="5778372" y="695173"/>
-            <a:ext cx="622042" cy="746450"/>
-          </a:xfrm>
-          <a:prstGeom prst="rect">
-            <a:avLst/>
-          </a:prstGeom>
-          <a:noFill/>
-          <a:extLst>
-            <a:ext uri="{909E8E84-426E-40DD-AFC4-6F175D3DCCD1}">
-              <a14:hiddenFill xmlns:a14="http://schemas.microsoft.com/office/drawing/2010/main">
-                <a:solidFill>
-                  <a:srgbClr val="FFFFFF"/>
-                </a:solidFill>
-              </a14:hiddenFill>
-            </a:ext>
-          </a:extLst>
-        </p:spPr>
-      </p:pic>
-      <p:pic>
-        <p:nvPicPr>
-          <p:cNvPr id="1030" name="Picture 6" descr="Resultado de imagen para windows logo hd&quot;"/>
-          <p:cNvPicPr>
-            <a:picLocks noChangeAspect="1" noChangeArrowheads="1"/>
-          </p:cNvPicPr>
-          <p:nvPr/>
-        </p:nvPicPr>
-        <p:blipFill>
-          <a:blip r:embed="rId4" cstate="print">
-            <a:extLst>
-              <a:ext uri="{28A0092B-C50C-407E-A947-70E740481C1C}">
-                <a14:useLocalDpi xmlns:a14="http://schemas.microsoft.com/office/drawing/2010/main" val="0"/>
-              </a:ext>
-            </a:extLst>
-          </a:blip>
-          <a:srcRect/>
-          <a:stretch>
-            <a:fillRect/>
-          </a:stretch>
-        </p:blipFill>
-        <p:spPr bwMode="auto">
-          <a:xfrm>
             <a:off x="4080047" y="271753"/>
             <a:ext cx="1609146" cy="1609146"/>
           </a:xfrm>
@@ -5345,7 +5372,7 @@
           <p:nvPr/>
         </p:nvPicPr>
         <p:blipFill>
-          <a:blip r:embed="rId5" cstate="print">
+          <a:blip r:embed="rId4" cstate="print">
             <a:extLst>
               <a:ext uri="{28A0092B-C50C-407E-A947-70E740481C1C}">
                 <a14:useLocalDpi xmlns:a14="http://schemas.microsoft.com/office/drawing/2010/main" val="0"/>
@@ -5563,7 +5590,7 @@
           <p:nvPr/>
         </p:nvPicPr>
         <p:blipFill>
-          <a:blip r:embed="rId2">
+          <a:blip r:embed="rId1">
             <a:extLst>
               <a:ext uri="{28A0092B-C50C-407E-A947-70E740481C1C}">
                 <a14:useLocalDpi xmlns:a14="http://schemas.microsoft.com/office/drawing/2010/main" val="0"/>
@@ -5587,6 +5614,47 @@
       <p:pic>
         <p:nvPicPr>
           <p:cNvPr id="1026" name="Picture 2" descr="Resultado de imagen para linux full hd logo&quot;"/>
+          <p:cNvPicPr>
+            <a:picLocks noChangeAspect="1" noChangeArrowheads="1"/>
+          </p:cNvPicPr>
+          <p:nvPr/>
+        </p:nvPicPr>
+        <p:blipFill>
+          <a:blip r:embed="rId2" cstate="print">
+            <a:extLst>
+              <a:ext uri="{28A0092B-C50C-407E-A947-70E740481C1C}">
+                <a14:useLocalDpi xmlns:a14="http://schemas.microsoft.com/office/drawing/2010/main" val="0"/>
+              </a:ext>
+            </a:extLst>
+          </a:blip>
+          <a:srcRect/>
+          <a:stretch>
+            <a:fillRect/>
+          </a:stretch>
+        </p:blipFill>
+        <p:spPr bwMode="auto">
+          <a:xfrm>
+            <a:off x="5778372" y="695173"/>
+            <a:ext cx="622042" cy="746450"/>
+          </a:xfrm>
+          <a:prstGeom prst="rect">
+            <a:avLst/>
+          </a:prstGeom>
+          <a:noFill/>
+          <a:extLst>
+            <a:ext uri="{909E8E84-426E-40DD-AFC4-6F175D3DCCD1}">
+              <a14:hiddenFill xmlns:a14="http://schemas.microsoft.com/office/drawing/2010/main">
+                <a:solidFill>
+                  <a:srgbClr val="FFFFFF"/>
+                </a:solidFill>
+              </a14:hiddenFill>
+            </a:ext>
+          </a:extLst>
+        </p:spPr>
+      </p:pic>
+      <p:pic>
+        <p:nvPicPr>
+          <p:cNvPr id="1030" name="Picture 6" descr="Resultado de imagen para windows logo hd&quot;"/>
           <p:cNvPicPr>
             <a:picLocks noChangeAspect="1" noChangeArrowheads="1"/>
           </p:cNvPicPr>
@@ -5607,47 +5675,6 @@
         </p:blipFill>
         <p:spPr bwMode="auto">
           <a:xfrm>
-            <a:off x="5778372" y="695173"/>
-            <a:ext cx="622042" cy="746450"/>
-          </a:xfrm>
-          <a:prstGeom prst="rect">
-            <a:avLst/>
-          </a:prstGeom>
-          <a:noFill/>
-          <a:extLst>
-            <a:ext uri="{909E8E84-426E-40DD-AFC4-6F175D3DCCD1}">
-              <a14:hiddenFill xmlns:a14="http://schemas.microsoft.com/office/drawing/2010/main">
-                <a:solidFill>
-                  <a:srgbClr val="FFFFFF"/>
-                </a:solidFill>
-              </a14:hiddenFill>
-            </a:ext>
-          </a:extLst>
-        </p:spPr>
-      </p:pic>
-      <p:pic>
-        <p:nvPicPr>
-          <p:cNvPr id="1030" name="Picture 6" descr="Resultado de imagen para windows logo hd&quot;"/>
-          <p:cNvPicPr>
-            <a:picLocks noChangeAspect="1" noChangeArrowheads="1"/>
-          </p:cNvPicPr>
-          <p:nvPr/>
-        </p:nvPicPr>
-        <p:blipFill>
-          <a:blip r:embed="rId4" cstate="print">
-            <a:extLst>
-              <a:ext uri="{28A0092B-C50C-407E-A947-70E740481C1C}">
-                <a14:useLocalDpi xmlns:a14="http://schemas.microsoft.com/office/drawing/2010/main" val="0"/>
-              </a:ext>
-            </a:extLst>
-          </a:blip>
-          <a:srcRect/>
-          <a:stretch>
-            <a:fillRect/>
-          </a:stretch>
-        </p:blipFill>
-        <p:spPr bwMode="auto">
-          <a:xfrm>
             <a:off x="4080047" y="271753"/>
             <a:ext cx="1609146" cy="1609146"/>
           </a:xfrm>
@@ -5675,7 +5702,7 @@
           <p:nvPr/>
         </p:nvPicPr>
         <p:blipFill>
-          <a:blip r:embed="rId5" cstate="print">
+          <a:blip r:embed="rId4" cstate="print">
             <a:extLst>
               <a:ext uri="{28A0092B-C50C-407E-A947-70E740481C1C}">
                 <a14:useLocalDpi xmlns:a14="http://schemas.microsoft.com/office/drawing/2010/main" val="0"/>
@@ -5855,7 +5882,7 @@
           <p:nvPr/>
         </p:nvPicPr>
         <p:blipFill>
-          <a:blip r:embed="rId2">
+          <a:blip r:embed="rId1">
             <a:extLst>
               <a:ext uri="{28A0092B-C50C-407E-A947-70E740481C1C}">
                 <a14:useLocalDpi xmlns:a14="http://schemas.microsoft.com/office/drawing/2010/main" val="0"/>
@@ -5879,6 +5906,47 @@
       <p:pic>
         <p:nvPicPr>
           <p:cNvPr id="1026" name="Picture 2" descr="Resultado de imagen para linux full hd logo&quot;"/>
+          <p:cNvPicPr>
+            <a:picLocks noChangeAspect="1" noChangeArrowheads="1"/>
+          </p:cNvPicPr>
+          <p:nvPr/>
+        </p:nvPicPr>
+        <p:blipFill>
+          <a:blip r:embed="rId2" cstate="print">
+            <a:extLst>
+              <a:ext uri="{28A0092B-C50C-407E-A947-70E740481C1C}">
+                <a14:useLocalDpi xmlns:a14="http://schemas.microsoft.com/office/drawing/2010/main" val="0"/>
+              </a:ext>
+            </a:extLst>
+          </a:blip>
+          <a:srcRect/>
+          <a:stretch>
+            <a:fillRect/>
+          </a:stretch>
+        </p:blipFill>
+        <p:spPr bwMode="auto">
+          <a:xfrm>
+            <a:off x="5778372" y="695173"/>
+            <a:ext cx="622042" cy="746450"/>
+          </a:xfrm>
+          <a:prstGeom prst="rect">
+            <a:avLst/>
+          </a:prstGeom>
+          <a:noFill/>
+          <a:extLst>
+            <a:ext uri="{909E8E84-426E-40DD-AFC4-6F175D3DCCD1}">
+              <a14:hiddenFill xmlns:a14="http://schemas.microsoft.com/office/drawing/2010/main">
+                <a:solidFill>
+                  <a:srgbClr val="FFFFFF"/>
+                </a:solidFill>
+              </a14:hiddenFill>
+            </a:ext>
+          </a:extLst>
+        </p:spPr>
+      </p:pic>
+      <p:pic>
+        <p:nvPicPr>
+          <p:cNvPr id="1030" name="Picture 6" descr="Resultado de imagen para windows logo hd&quot;"/>
           <p:cNvPicPr>
             <a:picLocks noChangeAspect="1" noChangeArrowheads="1"/>
           </p:cNvPicPr>
@@ -5899,8 +5967,8 @@
         </p:blipFill>
         <p:spPr bwMode="auto">
           <a:xfrm>
-            <a:off x="5778372" y="695173"/>
-            <a:ext cx="622042" cy="746450"/>
+            <a:off x="4080047" y="271753"/>
+            <a:ext cx="1609146" cy="1609146"/>
           </a:xfrm>
           <a:prstGeom prst="rect">
             <a:avLst/>
@@ -5919,7 +5987,7 @@
       </p:pic>
       <p:pic>
         <p:nvPicPr>
-          <p:cNvPr id="1030" name="Picture 6" descr="Resultado de imagen para windows logo hd&quot;"/>
+          <p:cNvPr id="1032" name="Picture 8" descr="Resultado de imagen para mac os catalina logo&quot;"/>
           <p:cNvPicPr>
             <a:picLocks noChangeAspect="1" noChangeArrowheads="1"/>
           </p:cNvPicPr>
@@ -5940,47 +6008,6 @@
         </p:blipFill>
         <p:spPr bwMode="auto">
           <a:xfrm>
-            <a:off x="4080047" y="271753"/>
-            <a:ext cx="1609146" cy="1609146"/>
-          </a:xfrm>
-          <a:prstGeom prst="rect">
-            <a:avLst/>
-          </a:prstGeom>
-          <a:noFill/>
-          <a:extLst>
-            <a:ext uri="{909E8E84-426E-40DD-AFC4-6F175D3DCCD1}">
-              <a14:hiddenFill xmlns:a14="http://schemas.microsoft.com/office/drawing/2010/main">
-                <a:solidFill>
-                  <a:srgbClr val="FFFFFF"/>
-                </a:solidFill>
-              </a14:hiddenFill>
-            </a:ext>
-          </a:extLst>
-        </p:spPr>
-      </p:pic>
-      <p:pic>
-        <p:nvPicPr>
-          <p:cNvPr id="1032" name="Picture 8" descr="Resultado de imagen para mac os catalina logo&quot;"/>
-          <p:cNvPicPr>
-            <a:picLocks noChangeAspect="1" noChangeArrowheads="1"/>
-          </p:cNvPicPr>
-          <p:nvPr/>
-        </p:nvPicPr>
-        <p:blipFill>
-          <a:blip r:embed="rId5" cstate="print">
-            <a:extLst>
-              <a:ext uri="{28A0092B-C50C-407E-A947-70E740481C1C}">
-                <a14:useLocalDpi xmlns:a14="http://schemas.microsoft.com/office/drawing/2010/main" val="0"/>
-              </a:ext>
-            </a:extLst>
-          </a:blip>
-          <a:srcRect/>
-          <a:stretch>
-            <a:fillRect/>
-          </a:stretch>
-        </p:blipFill>
-        <p:spPr bwMode="auto">
-          <a:xfrm>
             <a:off x="6817873" y="695173"/>
             <a:ext cx="803853" cy="803853"/>
           </a:xfrm>
@@ -6084,7 +6111,7 @@
         <p:spPr>
           <a:xfrm>
             <a:off x="1921047" y="1880899"/>
-            <a:ext cx="8336692" cy="1754326"/>
+            <a:ext cx="8336692" cy="2676525"/>
           </a:xfrm>
           <a:prstGeom prst="rect">
             <a:avLst/>
@@ -6105,6 +6132,11 @@
               </a:rPr>
               <a:t>Tarea</a:t>
             </a:r>
+            <a:endParaRPr lang="es-ES" sz="4800" dirty="0" smtClean="0">
+              <a:solidFill>
+                <a:srgbClr val="E0DDD6"/>
+              </a:solidFill>
+            </a:endParaRPr>
           </a:p>
           <a:p>
             <a:pPr algn="ctr"/>
@@ -6122,39 +6154,55 @@
                   <a:srgbClr val="E0DDD6"/>
                 </a:solidFill>
               </a:rPr>
-              <a:t>de tarea se les deja buscar </a:t>
-            </a:r>
-            <a:r>
-              <a:rPr lang="es-ES" sz="3000">
+              <a:t>meter valores a una variable</a:t>
+            </a:r>
+            <a:endParaRPr lang="es-ES" sz="3000" dirty="0">
+              <a:solidFill>
+                <a:srgbClr val="E0DDD6"/>
+              </a:solidFill>
+            </a:endParaRPr>
+          </a:p>
+          <a:p>
+            <a:pPr algn="ctr"/>
+            <a:r>
+              <a:rPr lang="es-ES" sz="3000" dirty="0">
                 <a:solidFill>
                   <a:srgbClr val="E0DDD6"/>
                 </a:solidFill>
               </a:rPr>
-              <a:t>los </a:t>
-            </a:r>
-            <a:r>
-              <a:rPr lang="es-ES" sz="3000" smtClean="0">
+              <a:t>ciclo if</a:t>
+            </a:r>
+            <a:endParaRPr lang="es-ES" sz="3000" dirty="0">
+              <a:solidFill>
+                <a:srgbClr val="E0DDD6"/>
+              </a:solidFill>
+            </a:endParaRPr>
+          </a:p>
+          <a:p>
+            <a:pPr algn="ctr"/>
+            <a:r>
+              <a:rPr lang="es-ES" sz="3000" dirty="0">
                 <a:solidFill>
                   <a:srgbClr val="E0DDD6"/>
                 </a:solidFill>
               </a:rPr>
-              <a:t>códigos </a:t>
-            </a:r>
+              <a:t>ciclo for</a:t>
+            </a:r>
+            <a:endParaRPr lang="es-ES" sz="3000" dirty="0">
+              <a:solidFill>
+                <a:srgbClr val="E0DDD6"/>
+              </a:solidFill>
+            </a:endParaRPr>
+          </a:p>
+          <a:p>
+            <a:pPr algn="ctr"/>
             <a:r>
               <a:rPr lang="es-ES" sz="3000" dirty="0">
                 <a:solidFill>
                   <a:srgbClr val="E0DDD6"/>
                 </a:solidFill>
               </a:rPr>
-              <a:t>mas utilizados en </a:t>
-            </a:r>
-            <a:r>
-              <a:rPr lang="es-ES" sz="3000" dirty="0" err="1" smtClean="0">
-                <a:solidFill>
-                  <a:srgbClr val="E0DDD6"/>
-                </a:solidFill>
-              </a:rPr>
-              <a:t>bash</a:t>
+              <a:t>en caso de no saber que es investigar</a:t>
             </a:r>
             <a:r>
               <a:rPr lang="es-ES" sz="3000" dirty="0" smtClean="0">
@@ -6164,6 +6212,11 @@
               </a:rPr>
               <a:t>//</a:t>
             </a:r>
+            <a:endParaRPr lang="es-ES" sz="3000" dirty="0" smtClean="0">
+              <a:solidFill>
+                <a:srgbClr val="E0DDD6"/>
+              </a:solidFill>
+            </a:endParaRPr>
           </a:p>
         </p:txBody>
       </p:sp>
@@ -6426,8 +6479,6 @@
       </a:bgFillStyleLst>
     </a:fmtScheme>
   </a:themeElements>
-  <a:objectDefaults/>
-  <a:extraClrSchemeLst/>
   <a:extLst>
     <a:ext uri="{05A4C25C-085E-4340-85A3-A5531E510DB2}">
       <thm15:themeFamily xmlns:thm15="http://schemas.microsoft.com/office/thememl/2012/main" name="Office Theme" id="{62F939B6-93AF-4DB8-9C6B-D6C7DFDC589F}" vid="{4A3C46E8-61CC-4603-A589-7422A47A8E4A}"/>
